--- a/Bollywood_Movie_Analysis_Presentation.pptx
+++ b/Bollywood_Movie_Analysis_Presentation.pptx
@@ -5,14 +5,15 @@
     <p:sldMasterId id="2147483648" r:id="rId1"/>
   </p:sldMasterIdLst>
   <p:sldIdLst>
-    <p:sldId id="256" r:id="rId7"/>
-    <p:sldId id="257" r:id="rId8"/>
-    <p:sldId id="258" r:id="rId9"/>
-    <p:sldId id="259" r:id="rId10"/>
-    <p:sldId id="260" r:id="rId11"/>
-    <p:sldId id="261" r:id="rId12"/>
-    <p:sldId id="262" r:id="rId13"/>
-    <p:sldId id="263" r:id="rId14"/>
+    <p:sldId id="256" r:id="rId2"/>
+    <p:sldId id="257" r:id="rId3"/>
+    <p:sldId id="258" r:id="rId4"/>
+    <p:sldId id="259" r:id="rId5"/>
+    <p:sldId id="260" r:id="rId6"/>
+    <p:sldId id="261" r:id="rId7"/>
+    <p:sldId id="262" r:id="rId8"/>
+    <p:sldId id="263" r:id="rId9"/>
+    <p:sldId id="264" r:id="rId10"/>
   </p:sldIdLst>
   <p:sldSz cx="9144000" cy="6858000" type="screen4x3"/>
   <p:notesSz cx="6858000" cy="9144000"/>
@@ -111,6 +112,22 @@
       </a:defRPr>
     </a:lvl9pPr>
   </p:defaultTextStyle>
+  <p:extLst>
+    <p:ext uri="{EFAFB233-063F-42B5-8137-9DF3F51BA10A}">
+      <p15:sldGuideLst xmlns:p15="http://schemas.microsoft.com/office/powerpoint/2012/main">
+        <p15:guide id="1" orient="horz" pos="2160">
+          <p15:clr>
+            <a:srgbClr val="A4A3A4"/>
+          </p15:clr>
+        </p15:guide>
+        <p15:guide id="2" pos="2880">
+          <p15:clr>
+            <a:srgbClr val="A4A3A4"/>
+          </p15:clr>
+        </p15:guide>
+      </p15:sldGuideLst>
+    </p:ext>
+  </p:extLst>
 </p:presentation>
 </file>
 
@@ -295,7 +312,7 @@
           <a:p>
             <a:fld id="{5BCAD085-E8A6-8845-BD4E-CB4CCA059FC4}" type="datetimeFigureOut">
               <a:rPr lang="en-US" smtClean="0"/>
-              <a:t>1/27/13</a:t>
+              <a:t>12/8/2024</a:t>
             </a:fld>
             <a:endParaRPr lang="en-US"/>
           </a:p>
@@ -465,7 +482,7 @@
           <a:p>
             <a:fld id="{5BCAD085-E8A6-8845-BD4E-CB4CCA059FC4}" type="datetimeFigureOut">
               <a:rPr lang="en-US" smtClean="0"/>
-              <a:t>1/27/13</a:t>
+              <a:t>12/8/2024</a:t>
             </a:fld>
             <a:endParaRPr lang="en-US"/>
           </a:p>
@@ -645,7 +662,7 @@
           <a:p>
             <a:fld id="{5BCAD085-E8A6-8845-BD4E-CB4CCA059FC4}" type="datetimeFigureOut">
               <a:rPr lang="en-US" smtClean="0"/>
-              <a:t>1/27/13</a:t>
+              <a:t>12/8/2024</a:t>
             </a:fld>
             <a:endParaRPr lang="en-US"/>
           </a:p>
@@ -815,7 +832,7 @@
           <a:p>
             <a:fld id="{5BCAD085-E8A6-8845-BD4E-CB4CCA059FC4}" type="datetimeFigureOut">
               <a:rPr lang="en-US" smtClean="0"/>
-              <a:t>1/27/13</a:t>
+              <a:t>12/8/2024</a:t>
             </a:fld>
             <a:endParaRPr lang="en-US"/>
           </a:p>
@@ -1061,7 +1078,7 @@
           <a:p>
             <a:fld id="{5BCAD085-E8A6-8845-BD4E-CB4CCA059FC4}" type="datetimeFigureOut">
               <a:rPr lang="en-US" smtClean="0"/>
-              <a:t>1/27/13</a:t>
+              <a:t>12/8/2024</a:t>
             </a:fld>
             <a:endParaRPr lang="en-US"/>
           </a:p>
@@ -1349,7 +1366,7 @@
           <a:p>
             <a:fld id="{5BCAD085-E8A6-8845-BD4E-CB4CCA059FC4}" type="datetimeFigureOut">
               <a:rPr lang="en-US" smtClean="0"/>
-              <a:t>1/27/13</a:t>
+              <a:t>12/8/2024</a:t>
             </a:fld>
             <a:endParaRPr lang="en-US"/>
           </a:p>
@@ -1771,7 +1788,7 @@
           <a:p>
             <a:fld id="{5BCAD085-E8A6-8845-BD4E-CB4CCA059FC4}" type="datetimeFigureOut">
               <a:rPr lang="en-US" smtClean="0"/>
-              <a:t>1/27/13</a:t>
+              <a:t>12/8/2024</a:t>
             </a:fld>
             <a:endParaRPr lang="en-US"/>
           </a:p>
@@ -1889,7 +1906,7 @@
           <a:p>
             <a:fld id="{5BCAD085-E8A6-8845-BD4E-CB4CCA059FC4}" type="datetimeFigureOut">
               <a:rPr lang="en-US" smtClean="0"/>
-              <a:t>1/27/13</a:t>
+              <a:t>12/8/2024</a:t>
             </a:fld>
             <a:endParaRPr lang="en-US"/>
           </a:p>
@@ -1984,7 +2001,7 @@
           <a:p>
             <a:fld id="{5BCAD085-E8A6-8845-BD4E-CB4CCA059FC4}" type="datetimeFigureOut">
               <a:rPr lang="en-US" smtClean="0"/>
-              <a:t>1/27/13</a:t>
+              <a:t>12/8/2024</a:t>
             </a:fld>
             <a:endParaRPr lang="en-US"/>
           </a:p>
@@ -2261,7 +2278,7 @@
           <a:p>
             <a:fld id="{5BCAD085-E8A6-8845-BD4E-CB4CCA059FC4}" type="datetimeFigureOut">
               <a:rPr lang="en-US" smtClean="0"/>
-              <a:t>1/27/13</a:t>
+              <a:t>12/8/2024</a:t>
             </a:fld>
             <a:endParaRPr lang="en-US"/>
           </a:p>
@@ -2514,7 +2531,7 @@
           <a:p>
             <a:fld id="{5BCAD085-E8A6-8845-BD4E-CB4CCA059FC4}" type="datetimeFigureOut">
               <a:rPr lang="en-US" smtClean="0"/>
-              <a:t>1/27/13</a:t>
+              <a:t>12/8/2024</a:t>
             </a:fld>
             <a:endParaRPr lang="en-US"/>
           </a:p>
@@ -2727,7 +2744,7 @@
           <a:p>
             <a:fld id="{5BCAD085-E8A6-8845-BD4E-CB4CCA059FC4}" type="datetimeFigureOut">
               <a:rPr lang="en-US" smtClean="0"/>
-              <a:t>1/27/13</a:t>
+              <a:t>12/8/2024</a:t>
             </a:fld>
             <a:endParaRPr lang="en-US"/>
           </a:p>
@@ -3086,7 +3103,7 @@
 </file>
 
 <file path=ppt/slides/slide1.xml><?xml version="1.0" encoding="utf-8"?>
-<p:sld xmlns:a="http://schemas.openxmlformats.org/drawingml/2006/main" xmlns:p="http://schemas.openxmlformats.org/presentationml/2006/main" xmlns:r="http://schemas.openxmlformats.org/officeDocument/2006/relationships">
+<p:sld xmlns:a="http://schemas.openxmlformats.org/drawingml/2006/main" xmlns:r="http://schemas.openxmlformats.org/officeDocument/2006/relationships" xmlns:p="http://schemas.openxmlformats.org/presentationml/2006/main">
   <p:cSld>
     <p:spTree>
       <p:nvGrpSpPr>
@@ -3094,7 +3111,14 @@
         <p:cNvGrpSpPr/>
         <p:nvPr/>
       </p:nvGrpSpPr>
-      <p:grpSpPr/>
+      <p:grpSpPr>
+        <a:xfrm>
+          <a:off x="0" y="0"/>
+          <a:ext cx="0" cy="0"/>
+          <a:chOff x="0" y="0"/>
+          <a:chExt cx="0" cy="0"/>
+        </a:xfrm>
+      </p:grpSpPr>
       <p:sp>
         <p:nvSpPr>
           <p:cNvPr id="2" name="Title 1"/>
@@ -3146,7 +3170,7 @@
 </file>
 
 <file path=ppt/slides/slide2.xml><?xml version="1.0" encoding="utf-8"?>
-<p:sld xmlns:a="http://schemas.openxmlformats.org/drawingml/2006/main" xmlns:p="http://schemas.openxmlformats.org/presentationml/2006/main" xmlns:r="http://schemas.openxmlformats.org/officeDocument/2006/relationships">
+<p:sld xmlns:a="http://schemas.openxmlformats.org/drawingml/2006/main" xmlns:r="http://schemas.openxmlformats.org/officeDocument/2006/relationships" xmlns:p="http://schemas.openxmlformats.org/presentationml/2006/main">
   <p:cSld>
     <p:spTree>
       <p:nvGrpSpPr>
@@ -3154,7 +3178,14 @@
         <p:cNvGrpSpPr/>
         <p:nvPr/>
       </p:nvGrpSpPr>
-      <p:grpSpPr/>
+      <p:grpSpPr>
+        <a:xfrm>
+          <a:off x="0" y="0"/>
+          <a:ext cx="0" cy="0"/>
+          <a:chOff x="0" y="0"/>
+          <a:chExt cx="0" cy="0"/>
+        </a:xfrm>
+      </p:grpSpPr>
       <p:sp>
         <p:nvSpPr>
           <p:cNvPr id="2" name="Title 1"/>
@@ -3216,7 +3247,7 @@
 </file>
 
 <file path=ppt/slides/slide3.xml><?xml version="1.0" encoding="utf-8"?>
-<p:sld xmlns:a="http://schemas.openxmlformats.org/drawingml/2006/main" xmlns:p="http://schemas.openxmlformats.org/presentationml/2006/main" xmlns:r="http://schemas.openxmlformats.org/officeDocument/2006/relationships">
+<p:sld xmlns:a="http://schemas.openxmlformats.org/drawingml/2006/main" xmlns:r="http://schemas.openxmlformats.org/officeDocument/2006/relationships" xmlns:p="http://schemas.openxmlformats.org/presentationml/2006/main">
   <p:cSld>
     <p:spTree>
       <p:nvGrpSpPr>
@@ -3224,7 +3255,14 @@
         <p:cNvGrpSpPr/>
         <p:nvPr/>
       </p:nvGrpSpPr>
-      <p:grpSpPr/>
+      <p:grpSpPr>
+        <a:xfrm>
+          <a:off x="0" y="0"/>
+          <a:ext cx="0" cy="0"/>
+          <a:chOff x="0" y="0"/>
+          <a:chExt cx="0" cy="0"/>
+        </a:xfrm>
+      </p:grpSpPr>
       <p:sp>
         <p:nvSpPr>
           <p:cNvPr id="2" name="Title 1"/>
@@ -3258,35 +3296,56 @@
         </p:nvSpPr>
         <p:spPr/>
         <p:txBody>
-          <a:bodyPr/>
-          <a:lstStyle/>
-          <a:p>
-            <a:r>
-              <a:t>1. **Text Analysis**:</a:t>
-            </a:r>
-          </a:p>
-          <a:p>
-            <a:r>
+          <a:bodyPr>
+            <a:normAutofit fontScale="92500" lnSpcReduction="10000"/>
+          </a:bodyPr>
+          <a:lstStyle/>
+          <a:p>
+            <a:r>
+              <a:rPr dirty="0"/>
+              <a:t>1. </a:t>
+            </a:r>
+            <a:r>
+              <a:rPr dirty="0" smtClean="0"/>
+              <a:t>Text Analysis:</a:t>
+            </a:r>
+            <a:endParaRPr dirty="0"/>
+          </a:p>
+          <a:p>
+            <a:r>
+              <a:rPr dirty="0"/>
               <a:t>- Use NLP techniques to identify male and female roles in scripts.</a:t>
             </a:r>
           </a:p>
           <a:p>
             <a:r>
+              <a:rPr dirty="0"/>
               <a:t>- Categorize roles into aspirations, professions, and dependencies.</a:t>
             </a:r>
           </a:p>
-          <a:p/>
-          <a:p>
-            <a:r>
-              <a:t>2. **Visual Analysis**:</a:t>
-            </a:r>
-          </a:p>
-          <a:p>
-            <a:r>
+          <a:p>
+            <a:endParaRPr dirty="0"/>
+          </a:p>
+          <a:p>
+            <a:r>
+              <a:rPr dirty="0"/>
+              <a:t>2. </a:t>
+            </a:r>
+            <a:r>
+              <a:rPr dirty="0" smtClean="0"/>
+              <a:t>Visual Analysis:</a:t>
+            </a:r>
+            <a:endParaRPr dirty="0"/>
+          </a:p>
+          <a:p>
+            <a:r>
+              <a:rPr dirty="0"/>
               <a:t>- Evaluate posters for gender representation based on size, prominence, and placement.</a:t>
             </a:r>
           </a:p>
-          <a:p/>
+          <a:p>
+            <a:endParaRPr dirty="0"/>
+          </a:p>
         </p:txBody>
       </p:sp>
     </p:spTree>
@@ -3298,7 +3357,7 @@
 </file>
 
 <file path=ppt/slides/slide4.xml><?xml version="1.0" encoding="utf-8"?>
-<p:sld xmlns:a="http://schemas.openxmlformats.org/drawingml/2006/main" xmlns:p="http://schemas.openxmlformats.org/presentationml/2006/main" xmlns:r="http://schemas.openxmlformats.org/officeDocument/2006/relationships">
+<p:sld xmlns:a="http://schemas.openxmlformats.org/drawingml/2006/main" xmlns:r="http://schemas.openxmlformats.org/officeDocument/2006/relationships" xmlns:p="http://schemas.openxmlformats.org/presentationml/2006/main">
   <p:cSld>
     <p:spTree>
       <p:nvGrpSpPr>
@@ -3306,7 +3365,14 @@
         <p:cNvGrpSpPr/>
         <p:nvPr/>
       </p:nvGrpSpPr>
-      <p:grpSpPr/>
+      <p:grpSpPr>
+        <a:xfrm>
+          <a:off x="0" y="0"/>
+          <a:ext cx="0" cy="0"/>
+          <a:chOff x="0" y="0"/>
+          <a:chExt cx="0" cy="0"/>
+        </a:xfrm>
+      </p:grpSpPr>
       <p:sp>
         <p:nvSpPr>
           <p:cNvPr id="2" name="Title 1"/>
@@ -3368,7 +3434,7 @@
 </file>
 
 <file path=ppt/slides/slide5.xml><?xml version="1.0" encoding="utf-8"?>
-<p:sld xmlns:a="http://schemas.openxmlformats.org/drawingml/2006/main" xmlns:p="http://schemas.openxmlformats.org/presentationml/2006/main" xmlns:r="http://schemas.openxmlformats.org/officeDocument/2006/relationships">
+<p:sld xmlns:a="http://schemas.openxmlformats.org/drawingml/2006/main" xmlns:r="http://schemas.openxmlformats.org/officeDocument/2006/relationships" xmlns:p="http://schemas.openxmlformats.org/presentationml/2006/main">
   <p:cSld>
     <p:spTree>
       <p:nvGrpSpPr>
@@ -3376,7 +3442,14 @@
         <p:cNvGrpSpPr/>
         <p:nvPr/>
       </p:nvGrpSpPr>
-      <p:grpSpPr/>
+      <p:grpSpPr>
+        <a:xfrm>
+          <a:off x="0" y="0"/>
+          <a:ext cx="0" cy="0"/>
+          <a:chOff x="0" y="0"/>
+          <a:chExt cx="0" cy="0"/>
+        </a:xfrm>
+      </p:grpSpPr>
       <p:sp>
         <p:nvSpPr>
           <p:cNvPr id="2" name="Title 1"/>
@@ -3389,7 +3462,9 @@
         </p:nvSpPr>
         <p:spPr/>
         <p:txBody>
-          <a:bodyPr/>
+          <a:bodyPr>
+            <a:normAutofit fontScale="90000"/>
+          </a:bodyPr>
           <a:lstStyle/>
           <a:p>
             <a:r>
@@ -3431,7 +3506,7 @@
 </file>
 
 <file path=ppt/slides/slide6.xml><?xml version="1.0" encoding="utf-8"?>
-<p:sld xmlns:a="http://schemas.openxmlformats.org/drawingml/2006/main" xmlns:p="http://schemas.openxmlformats.org/presentationml/2006/main" xmlns:r="http://schemas.openxmlformats.org/officeDocument/2006/relationships">
+<p:sld xmlns:a="http://schemas.openxmlformats.org/drawingml/2006/main" xmlns:r="http://schemas.openxmlformats.org/officeDocument/2006/relationships" xmlns:p="http://schemas.openxmlformats.org/presentationml/2006/main">
   <p:cSld>
     <p:spTree>
       <p:nvGrpSpPr>
@@ -3439,7 +3514,14 @@
         <p:cNvGrpSpPr/>
         <p:nvPr/>
       </p:nvGrpSpPr>
-      <p:grpSpPr/>
+      <p:grpSpPr>
+        <a:xfrm>
+          <a:off x="0" y="0"/>
+          <a:ext cx="0" cy="0"/>
+          <a:chOff x="0" y="0"/>
+          <a:chExt cx="0" cy="0"/>
+        </a:xfrm>
+      </p:grpSpPr>
       <p:sp>
         <p:nvSpPr>
           <p:cNvPr id="2" name="Title 1"/>
@@ -3494,7 +3576,7 @@
 </file>
 
 <file path=ppt/slides/slide7.xml><?xml version="1.0" encoding="utf-8"?>
-<p:sld xmlns:a="http://schemas.openxmlformats.org/drawingml/2006/main" xmlns:p="http://schemas.openxmlformats.org/presentationml/2006/main" xmlns:r="http://schemas.openxmlformats.org/officeDocument/2006/relationships">
+<p:sld xmlns:a="http://schemas.openxmlformats.org/drawingml/2006/main" xmlns:r="http://schemas.openxmlformats.org/officeDocument/2006/relationships" xmlns:p="http://schemas.openxmlformats.org/presentationml/2006/main">
   <p:cSld>
     <p:spTree>
       <p:nvGrpSpPr>
@@ -3502,7 +3584,14 @@
         <p:cNvGrpSpPr/>
         <p:nvPr/>
       </p:nvGrpSpPr>
-      <p:grpSpPr/>
+      <p:grpSpPr>
+        <a:xfrm>
+          <a:off x="0" y="0"/>
+          <a:ext cx="0" cy="0"/>
+          <a:chOff x="0" y="0"/>
+          <a:chExt cx="0" cy="0"/>
+        </a:xfrm>
+      </p:grpSpPr>
       <p:sp>
         <p:nvSpPr>
           <p:cNvPr id="2" name="Title 1"/>
@@ -3557,7 +3646,7 @@
 </file>
 
 <file path=ppt/slides/slide8.xml><?xml version="1.0" encoding="utf-8"?>
-<p:sld xmlns:a="http://schemas.openxmlformats.org/drawingml/2006/main" xmlns:p="http://schemas.openxmlformats.org/presentationml/2006/main" xmlns:r="http://schemas.openxmlformats.org/officeDocument/2006/relationships">
+<p:sld xmlns:a="http://schemas.openxmlformats.org/drawingml/2006/main" xmlns:r="http://schemas.openxmlformats.org/officeDocument/2006/relationships" xmlns:p="http://schemas.openxmlformats.org/presentationml/2006/main">
   <p:cSld>
     <p:spTree>
       <p:nvGrpSpPr>
@@ -3565,7 +3654,14 @@
         <p:cNvGrpSpPr/>
         <p:nvPr/>
       </p:nvGrpSpPr>
-      <p:grpSpPr/>
+      <p:grpSpPr>
+        <a:xfrm>
+          <a:off x="0" y="0"/>
+          <a:ext cx="0" cy="0"/>
+          <a:chOff x="0" y="0"/>
+          <a:chExt cx="0" cy="0"/>
+        </a:xfrm>
+      </p:grpSpPr>
       <p:sp>
         <p:nvSpPr>
           <p:cNvPr id="2" name="Title 1"/>
@@ -3599,42 +3695,141 @@
         </p:nvSpPr>
         <p:spPr/>
         <p:txBody>
-          <a:bodyPr/>
-          <a:lstStyle/>
-          <a:p>
-            <a:r>
-              <a:t>1. **For Scripts**:</a:t>
-            </a:r>
-          </a:p>
-          <a:p>
-            <a:r>
+          <a:bodyPr>
+            <a:normAutofit fontScale="85000" lnSpcReduction="20000"/>
+          </a:bodyPr>
+          <a:lstStyle/>
+          <a:p>
+            <a:r>
+              <a:rPr dirty="0"/>
+              <a:t>1. </a:t>
+            </a:r>
+            <a:r>
+              <a:rPr dirty="0" smtClean="0"/>
+              <a:t>For Scripts:</a:t>
+            </a:r>
+            <a:endParaRPr dirty="0"/>
+          </a:p>
+          <a:p>
+            <a:r>
+              <a:rPr dirty="0"/>
               <a:t>- Introduce more female characters with aspirations and professions.</a:t>
             </a:r>
           </a:p>
           <a:p>
             <a:r>
+              <a:rPr dirty="0"/>
               <a:t>- Avoid defining female characters solely by their relationships.</a:t>
             </a:r>
           </a:p>
-          <a:p/>
-          <a:p>
-            <a:r>
-              <a:t>2. **For Posters**:</a:t>
-            </a:r>
-          </a:p>
-          <a:p>
-            <a:r>
+          <a:p>
+            <a:endParaRPr dirty="0"/>
+          </a:p>
+          <a:p>
+            <a:r>
+              <a:rPr dirty="0"/>
+              <a:t>2. </a:t>
+            </a:r>
+            <a:r>
+              <a:rPr dirty="0" smtClean="0"/>
+              <a:t>For Posters:</a:t>
+            </a:r>
+            <a:endParaRPr dirty="0"/>
+          </a:p>
+          <a:p>
+            <a:r>
+              <a:rPr dirty="0"/>
               <a:t>- Ensure equal prominence for male and female characters.</a:t>
             </a:r>
           </a:p>
           <a:p>
             <a:r>
+              <a:rPr dirty="0"/>
               <a:t>- Represent female characters in empowering poses and roles.</a:t>
             </a:r>
           </a:p>
         </p:txBody>
       </p:sp>
     </p:spTree>
+  </p:cSld>
+  <p:clrMapOvr>
+    <a:masterClrMapping/>
+  </p:clrMapOvr>
+</p:sld>
+</file>
+
+<file path=ppt/slides/slide9.xml><?xml version="1.0" encoding="utf-8"?>
+<p:sld xmlns:a="http://schemas.openxmlformats.org/drawingml/2006/main" xmlns:r="http://schemas.openxmlformats.org/officeDocument/2006/relationships" xmlns:p="http://schemas.openxmlformats.org/presentationml/2006/main">
+  <p:cSld>
+    <p:spTree>
+      <p:nvGrpSpPr>
+        <p:cNvPr id="1" name=""/>
+        <p:cNvGrpSpPr/>
+        <p:nvPr/>
+      </p:nvGrpSpPr>
+      <p:grpSpPr>
+        <a:xfrm>
+          <a:off x="0" y="0"/>
+          <a:ext cx="0" cy="0"/>
+          <a:chOff x="0" y="0"/>
+          <a:chExt cx="0" cy="0"/>
+        </a:xfrm>
+      </p:grpSpPr>
+      <p:sp>
+        <p:nvSpPr>
+          <p:cNvPr id="2" name="Title 1"/>
+          <p:cNvSpPr>
+            <a:spLocks noGrp="1"/>
+          </p:cNvSpPr>
+          <p:nvPr>
+            <p:ph type="title"/>
+          </p:nvPr>
+        </p:nvSpPr>
+        <p:spPr/>
+        <p:txBody>
+          <a:bodyPr/>
+          <a:lstStyle/>
+          <a:p>
+            <a:r>
+              <a:rPr lang="en-US" dirty="0" err="1" smtClean="0"/>
+              <a:t>Github</a:t>
+            </a:r>
+            <a:r>
+              <a:rPr lang="en-US" dirty="0" smtClean="0"/>
+              <a:t> Link</a:t>
+            </a:r>
+            <a:endParaRPr lang="en-IN" dirty="0"/>
+          </a:p>
+        </p:txBody>
+      </p:sp>
+      <p:sp>
+        <p:nvSpPr>
+          <p:cNvPr id="3" name="Content Placeholder 2"/>
+          <p:cNvSpPr>
+            <a:spLocks noGrp="1"/>
+          </p:cNvSpPr>
+          <p:nvPr>
+            <p:ph idx="1"/>
+          </p:nvPr>
+        </p:nvSpPr>
+        <p:spPr/>
+        <p:txBody>
+          <a:bodyPr/>
+          <a:lstStyle/>
+          <a:p>
+            <a:r>
+              <a:rPr lang="en-IN" dirty="0"/>
+              <a:t>https://github.com/Rahulpy164/Semusiproject</a:t>
+            </a:r>
+          </a:p>
+        </p:txBody>
+      </p:sp>
+    </p:spTree>
+    <p:extLst>
+      <p:ext uri="{BB962C8B-B14F-4D97-AF65-F5344CB8AC3E}">
+        <p14:creationId xmlns:p14="http://schemas.microsoft.com/office/powerpoint/2010/main" val="1986696854"/>
+      </p:ext>
+    </p:extLst>
   </p:cSld>
   <p:clrMapOvr>
     <a:masterClrMapping/>
